--- a/pages/Wrap_up_Wednesday.pptx
+++ b/pages/Wrap_up_Wednesday.pptx
@@ -112,6 +112,11 @@
       </a:defRPr>
     </a:lvl9pPr>
   </p:defaultTextStyle>
+  <p:extLst>
+    <p:ext uri="{EFAFB233-063F-42B5-8137-9DF3F51BA10A}">
+      <p15:sldGuideLst xmlns:p15="http://schemas.microsoft.com/office/powerpoint/2012/main"/>
+    </p:ext>
+  </p:extLst>
 </p:presentation>
 </file>
 
@@ -508,10 +513,7 @@
           <a:bodyPr/>
           <a:lstStyle/>
           <a:p>
-            <a:r>
-              <a:rPr lang="en-US" dirty="0"/>
-              <a:t>Re-processing is more important than processing…</a:t>
-            </a:r>
+            <a:endParaRPr lang="en-US" dirty="0"/>
           </a:p>
         </p:txBody>
       </p:sp>
@@ -595,10 +597,7 @@
           <a:bodyPr/>
           <a:lstStyle/>
           <a:p>
-            <a:r>
-              <a:rPr lang="en-US" dirty="0"/>
-              <a:t>Re-processing is more important than processing…</a:t>
-            </a:r>
+            <a:endParaRPr lang="en-US" dirty="0"/>
           </a:p>
         </p:txBody>
       </p:sp>
@@ -682,10 +681,7 @@
           <a:bodyPr/>
           <a:lstStyle/>
           <a:p>
-            <a:r>
-              <a:rPr lang="en-US" dirty="0"/>
-              <a:t>Re-processing is more important than processing…</a:t>
-            </a:r>
+            <a:endParaRPr lang="en-US" dirty="0"/>
           </a:p>
         </p:txBody>
       </p:sp>
@@ -769,10 +765,7 @@
           <a:bodyPr/>
           <a:lstStyle/>
           <a:p>
-            <a:r>
-              <a:rPr lang="en-US" dirty="0"/>
-              <a:t>Re-processing is more important than processing…</a:t>
-            </a:r>
+            <a:endParaRPr lang="en-US" dirty="0"/>
           </a:p>
         </p:txBody>
       </p:sp>
@@ -856,10 +849,7 @@
           <a:bodyPr/>
           <a:lstStyle/>
           <a:p>
-            <a:r>
-              <a:rPr lang="en-US" dirty="0"/>
-              <a:t>Re-processing is more important than processing…</a:t>
-            </a:r>
+            <a:endParaRPr lang="en-US" dirty="0"/>
           </a:p>
         </p:txBody>
       </p:sp>
